--- a/2023-2024/Wyk/Wyklad8.pptx
+++ b/2023-2024/Wyk/Wyklad8.pptx
@@ -5,10 +5,10 @@
     <p:sldMasterId id="2147483696" r:id="rId1"/>
   </p:sldMasterIdLst>
   <p:notesMasterIdLst>
-    <p:notesMasterId r:id="rId24"/>
+    <p:notesMasterId r:id="rId25"/>
   </p:notesMasterIdLst>
   <p:handoutMasterIdLst>
-    <p:handoutMasterId r:id="rId25"/>
+    <p:handoutMasterId r:id="rId26"/>
   </p:handoutMasterIdLst>
   <p:sldIdLst>
     <p:sldId id="346" r:id="rId2"/>
@@ -30,9 +30,10 @@
     <p:sldId id="528" r:id="rId18"/>
     <p:sldId id="529" r:id="rId19"/>
     <p:sldId id="530" r:id="rId20"/>
-    <p:sldId id="531" r:id="rId21"/>
-    <p:sldId id="532" r:id="rId22"/>
-    <p:sldId id="534" r:id="rId23"/>
+    <p:sldId id="535" r:id="rId21"/>
+    <p:sldId id="531" r:id="rId22"/>
+    <p:sldId id="532" r:id="rId23"/>
+    <p:sldId id="534" r:id="rId24"/>
   </p:sldIdLst>
   <p:sldSz cx="9144000" cy="6858000" type="screen4x3"/>
   <p:notesSz cx="6858000" cy="9144000"/>
@@ -293,7 +294,7 @@
           <a:p>
             <a:fld id="{5113504E-0C99-2340-A5F6-DD6E1A87C372}" type="datetimeFigureOut">
               <a:rPr lang="pl-PL" smtClean="0"/>
-              <a:t>27.11.2023</a:t>
+              <a:t>01.12.2023</a:t>
             </a:fld>
             <a:endParaRPr lang="pl-PL"/>
           </a:p>
@@ -459,7 +460,7 @@
           <a:p>
             <a:fld id="{F78C933E-44E9-2D43-91B0-0D2BEEFA7EB9}" type="datetimeFigureOut">
               <a:rPr lang="pl-PL" smtClean="0"/>
-              <a:t>27.11.2023</a:t>
+              <a:t>01.12.2023</a:t>
             </a:fld>
             <a:endParaRPr lang="pl-PL"/>
           </a:p>
@@ -1845,7 +1846,7 @@
     </p:spTree>
     <p:extLst>
       <p:ext uri="{BB962C8B-B14F-4D97-AF65-F5344CB8AC3E}">
-        <p14:creationId xmlns:p14="http://schemas.microsoft.com/office/powerpoint/2010/main" val="1431034631"/>
+        <p14:creationId xmlns:p14="http://schemas.microsoft.com/office/powerpoint/2010/main" val="875696730"/>
       </p:ext>
     </p:extLst>
   </p:cSld>
@@ -1932,7 +1933,7 @@
     </p:spTree>
     <p:extLst>
       <p:ext uri="{BB962C8B-B14F-4D97-AF65-F5344CB8AC3E}">
-        <p14:creationId xmlns:p14="http://schemas.microsoft.com/office/powerpoint/2010/main" val="3057403526"/>
+        <p14:creationId xmlns:p14="http://schemas.microsoft.com/office/powerpoint/2010/main" val="1431034631"/>
       </p:ext>
     </p:extLst>
   </p:cSld>
@@ -2011,6 +2012,93 @@
             <a:fld id="{79CE77F9-1A7F-B148-A0AA-5828300D10BC}" type="slidenum">
               <a:rPr lang="pl-PL" smtClean="0"/>
               <a:t>22</a:t>
+            </a:fld>
+            <a:endParaRPr lang="pl-PL"/>
+          </a:p>
+        </p:txBody>
+      </p:sp>
+    </p:spTree>
+    <p:extLst>
+      <p:ext uri="{BB962C8B-B14F-4D97-AF65-F5344CB8AC3E}">
+        <p14:creationId xmlns:p14="http://schemas.microsoft.com/office/powerpoint/2010/main" val="3057403526"/>
+      </p:ext>
+    </p:extLst>
+  </p:cSld>
+  <p:clrMapOvr>
+    <a:masterClrMapping/>
+  </p:clrMapOvr>
+</p:notes>
+</file>
+
+<file path=ppt/notesSlides/notesSlide23.xml><?xml version="1.0" encoding="utf-8"?>
+<p:notes xmlns:a="http://schemas.openxmlformats.org/drawingml/2006/main" xmlns:r="http://schemas.openxmlformats.org/officeDocument/2006/relationships" xmlns:p="http://schemas.openxmlformats.org/presentationml/2006/main">
+  <p:cSld>
+    <p:spTree>
+      <p:nvGrpSpPr>
+        <p:cNvPr id="1" name=""/>
+        <p:cNvGrpSpPr/>
+        <p:nvPr/>
+      </p:nvGrpSpPr>
+      <p:grpSpPr>
+        <a:xfrm>
+          <a:off x="0" y="0"/>
+          <a:ext cx="0" cy="0"/>
+          <a:chOff x="0" y="0"/>
+          <a:chExt cx="0" cy="0"/>
+        </a:xfrm>
+      </p:grpSpPr>
+      <p:sp>
+        <p:nvSpPr>
+          <p:cNvPr id="2" name="Slide Image Placeholder 1"/>
+          <p:cNvSpPr>
+            <a:spLocks noGrp="1" noRot="1" noChangeAspect="1"/>
+          </p:cNvSpPr>
+          <p:nvPr>
+            <p:ph type="sldImg"/>
+          </p:nvPr>
+        </p:nvSpPr>
+        <p:spPr/>
+      </p:sp>
+      <p:sp>
+        <p:nvSpPr>
+          <p:cNvPr id="3" name="Notes Placeholder 2"/>
+          <p:cNvSpPr>
+            <a:spLocks noGrp="1"/>
+          </p:cNvSpPr>
+          <p:nvPr>
+            <p:ph type="body" idx="1"/>
+          </p:nvPr>
+        </p:nvSpPr>
+        <p:spPr/>
+        <p:txBody>
+          <a:bodyPr/>
+          <a:lstStyle/>
+          <a:p>
+            <a:pPr rtl="0"/>
+            <a:endParaRPr lang="pl-PL" dirty="0">
+              <a:effectLst/>
+            </a:endParaRPr>
+          </a:p>
+        </p:txBody>
+      </p:sp>
+      <p:sp>
+        <p:nvSpPr>
+          <p:cNvPr id="4" name="Slide Number Placeholder 3"/>
+          <p:cNvSpPr>
+            <a:spLocks noGrp="1"/>
+          </p:cNvSpPr>
+          <p:nvPr>
+            <p:ph type="sldNum" sz="quarter" idx="10"/>
+          </p:nvPr>
+        </p:nvSpPr>
+        <p:spPr/>
+        <p:txBody>
+          <a:bodyPr/>
+          <a:lstStyle/>
+          <a:p>
+            <a:fld id="{79CE77F9-1A7F-B148-A0AA-5828300D10BC}" type="slidenum">
+              <a:rPr lang="pl-PL" smtClean="0"/>
+              <a:t>23</a:t>
             </a:fld>
             <a:endParaRPr lang="pl-PL"/>
           </a:p>
@@ -2817,7 +2905,7 @@
           <a:p>
             <a:fld id="{91017B01-0C30-B241-B19F-621BE4770608}" type="datetimeFigureOut">
               <a:rPr lang="pl-PL" smtClean="0"/>
-              <a:t>27.11.2023</a:t>
+              <a:t>01.12.2023</a:t>
             </a:fld>
             <a:endParaRPr lang="pl-PL"/>
           </a:p>
@@ -2986,7 +3074,7 @@
           <a:p>
             <a:fld id="{91017B01-0C30-B241-B19F-621BE4770608}" type="datetimeFigureOut">
               <a:rPr lang="pl-PL" smtClean="0"/>
-              <a:t>27.11.2023</a:t>
+              <a:t>01.12.2023</a:t>
             </a:fld>
             <a:endParaRPr lang="pl-PL"/>
           </a:p>
@@ -3165,7 +3253,7 @@
           <a:p>
             <a:fld id="{91017B01-0C30-B241-B19F-621BE4770608}" type="datetimeFigureOut">
               <a:rPr lang="pl-PL" smtClean="0"/>
-              <a:t>27.11.2023</a:t>
+              <a:t>01.12.2023</a:t>
             </a:fld>
             <a:endParaRPr lang="pl-PL"/>
           </a:p>
@@ -3334,7 +3422,7 @@
           <a:p>
             <a:fld id="{91017B01-0C30-B241-B19F-621BE4770608}" type="datetimeFigureOut">
               <a:rPr lang="pl-PL" smtClean="0"/>
-              <a:t>27.11.2023</a:t>
+              <a:t>01.12.2023</a:t>
             </a:fld>
             <a:endParaRPr lang="pl-PL"/>
           </a:p>
@@ -3580,7 +3668,7 @@
           <a:p>
             <a:fld id="{91017B01-0C30-B241-B19F-621BE4770608}" type="datetimeFigureOut">
               <a:rPr lang="pl-PL" smtClean="0"/>
-              <a:t>27.11.2023</a:t>
+              <a:t>01.12.2023</a:t>
             </a:fld>
             <a:endParaRPr lang="pl-PL"/>
           </a:p>
@@ -3866,7 +3954,7 @@
           <a:p>
             <a:fld id="{91017B01-0C30-B241-B19F-621BE4770608}" type="datetimeFigureOut">
               <a:rPr lang="pl-PL" smtClean="0"/>
-              <a:t>27.11.2023</a:t>
+              <a:t>01.12.2023</a:t>
             </a:fld>
             <a:endParaRPr lang="pl-PL"/>
           </a:p>
@@ -4286,7 +4374,7 @@
           <a:p>
             <a:fld id="{91017B01-0C30-B241-B19F-621BE4770608}" type="datetimeFigureOut">
               <a:rPr lang="pl-PL" smtClean="0"/>
-              <a:t>27.11.2023</a:t>
+              <a:t>01.12.2023</a:t>
             </a:fld>
             <a:endParaRPr lang="pl-PL"/>
           </a:p>
@@ -4404,7 +4492,7 @@
           <a:p>
             <a:fld id="{91017B01-0C30-B241-B19F-621BE4770608}" type="datetimeFigureOut">
               <a:rPr lang="pl-PL" smtClean="0"/>
-              <a:t>27.11.2023</a:t>
+              <a:t>01.12.2023</a:t>
             </a:fld>
             <a:endParaRPr lang="pl-PL"/>
           </a:p>
@@ -4500,7 +4588,7 @@
           <a:p>
             <a:fld id="{91017B01-0C30-B241-B19F-621BE4770608}" type="datetimeFigureOut">
               <a:rPr lang="pl-PL" smtClean="0"/>
-              <a:t>27.11.2023</a:t>
+              <a:t>01.12.2023</a:t>
             </a:fld>
             <a:endParaRPr lang="pl-PL"/>
           </a:p>
@@ -4777,7 +4865,7 @@
           <a:p>
             <a:fld id="{91017B01-0C30-B241-B19F-621BE4770608}" type="datetimeFigureOut">
               <a:rPr lang="pl-PL" smtClean="0"/>
-              <a:t>27.11.2023</a:t>
+              <a:t>01.12.2023</a:t>
             </a:fld>
             <a:endParaRPr lang="pl-PL"/>
           </a:p>
@@ -5033,7 +5121,7 @@
           <a:p>
             <a:fld id="{91017B01-0C30-B241-B19F-621BE4770608}" type="datetimeFigureOut">
               <a:rPr lang="pl-PL" smtClean="0"/>
-              <a:t>27.11.2023</a:t>
+              <a:t>01.12.2023</a:t>
             </a:fld>
             <a:endParaRPr lang="pl-PL"/>
           </a:p>
@@ -5245,7 +5333,7 @@
           <a:p>
             <a:fld id="{91017B01-0C30-B241-B19F-621BE4770608}" type="datetimeFigureOut">
               <a:rPr lang="pl-PL" smtClean="0"/>
-              <a:t>27.11.2023</a:t>
+              <a:t>01.12.2023</a:t>
             </a:fld>
             <a:endParaRPr lang="pl-PL"/>
           </a:p>
@@ -6887,6 +6975,53 @@
           </a:prstGeom>
         </p:spPr>
       </p:pic>
+      <p:pic>
+        <p:nvPicPr>
+          <p:cNvPr id="2050" name="Picture 2">
+            <a:extLst>
+              <a:ext uri="{FF2B5EF4-FFF2-40B4-BE49-F238E27FC236}">
+                <a16:creationId xmlns:a16="http://schemas.microsoft.com/office/drawing/2014/main" id="{7B9BBE6F-5224-713C-2C3A-F48AD6CF12EB}"/>
+              </a:ext>
+            </a:extLst>
+          </p:cNvPr>
+          <p:cNvPicPr>
+            <a:picLocks noChangeAspect="1" noChangeArrowheads="1"/>
+          </p:cNvPicPr>
+          <p:nvPr/>
+        </p:nvPicPr>
+        <p:blipFill>
+          <a:blip r:embed="rId5" cstate="print">
+            <a:extLst>
+              <a:ext uri="{28A0092B-C50C-407E-A947-70E740481C1C}">
+                <a14:useLocalDpi xmlns:a14="http://schemas.microsoft.com/office/drawing/2010/main" val="0"/>
+              </a:ext>
+            </a:extLst>
+          </a:blip>
+          <a:srcRect/>
+          <a:stretch>
+            <a:fillRect/>
+          </a:stretch>
+        </p:blipFill>
+        <p:spPr bwMode="auto">
+          <a:xfrm>
+            <a:off x="10536" y="2348880"/>
+            <a:ext cx="9144000" cy="4462463"/>
+          </a:xfrm>
+          <a:prstGeom prst="rect">
+            <a:avLst/>
+          </a:prstGeom>
+          <a:noFill/>
+          <a:extLst>
+            <a:ext uri="{909E8E84-426E-40DD-AFC4-6F175D3DCCD1}">
+              <a14:hiddenFill xmlns:a14="http://schemas.microsoft.com/office/drawing/2010/main">
+                <a:solidFill>
+                  <a:srgbClr val="FFFFFF"/>
+                </a:solidFill>
+              </a14:hiddenFill>
+            </a:ext>
+          </a:extLst>
+        </p:spPr>
+      </p:pic>
     </p:spTree>
     <p:extLst>
       <p:ext uri="{BB962C8B-B14F-4D97-AF65-F5344CB8AC3E}">
@@ -7769,6 +7904,380 @@
       </p:sp>
       <p:pic>
         <p:nvPicPr>
+          <p:cNvPr id="1026" name="Picture 2" descr="Android Architecture Components — LiveData (Part 1) | by Andri Ginting |  Easyread">
+            <a:extLst>
+              <a:ext uri="{FF2B5EF4-FFF2-40B4-BE49-F238E27FC236}">
+                <a16:creationId xmlns:a16="http://schemas.microsoft.com/office/drawing/2014/main" id="{AE515E7C-E92D-1151-963C-686C3F370CCB}"/>
+              </a:ext>
+            </a:extLst>
+          </p:cNvPr>
+          <p:cNvPicPr>
+            <a:picLocks noChangeAspect="1" noChangeArrowheads="1"/>
+          </p:cNvPicPr>
+          <p:nvPr/>
+        </p:nvPicPr>
+        <p:blipFill>
+          <a:blip r:embed="rId4">
+            <a:extLst>
+              <a:ext uri="{28A0092B-C50C-407E-A947-70E740481C1C}">
+                <a14:useLocalDpi xmlns:a14="http://schemas.microsoft.com/office/drawing/2010/main" val="0"/>
+              </a:ext>
+            </a:extLst>
+          </a:blip>
+          <a:srcRect/>
+          <a:stretch>
+            <a:fillRect/>
+          </a:stretch>
+        </p:blipFill>
+        <p:spPr bwMode="auto">
+          <a:xfrm>
+            <a:off x="27013" y="836712"/>
+            <a:ext cx="2590800" cy="3143250"/>
+          </a:xfrm>
+          <a:prstGeom prst="rect">
+            <a:avLst/>
+          </a:prstGeom>
+          <a:noFill/>
+          <a:extLst>
+            <a:ext uri="{909E8E84-426E-40DD-AFC4-6F175D3DCCD1}">
+              <a14:hiddenFill xmlns:a14="http://schemas.microsoft.com/office/drawing/2010/main">
+                <a:solidFill>
+                  <a:srgbClr val="FFFFFF"/>
+                </a:solidFill>
+              </a14:hiddenFill>
+            </a:ext>
+          </a:extLst>
+        </p:spPr>
+      </p:pic>
+      <p:sp>
+        <p:nvSpPr>
+          <p:cNvPr id="8" name="pole tekstowe 7">
+            <a:extLst>
+              <a:ext uri="{FF2B5EF4-FFF2-40B4-BE49-F238E27FC236}">
+                <a16:creationId xmlns:a16="http://schemas.microsoft.com/office/drawing/2014/main" id="{B4725CF8-FD10-189A-8426-1AA21F81E231}"/>
+              </a:ext>
+            </a:extLst>
+          </p:cNvPr>
+          <p:cNvSpPr txBox="1"/>
+          <p:nvPr/>
+        </p:nvSpPr>
+        <p:spPr>
+          <a:xfrm>
+            <a:off x="2772194" y="1124744"/>
+            <a:ext cx="6192294" cy="5509200"/>
+          </a:xfrm>
+          <a:prstGeom prst="rect">
+            <a:avLst/>
+          </a:prstGeom>
+          <a:noFill/>
+        </p:spPr>
+        <p:txBody>
+          <a:bodyPr wrap="square">
+            <a:spAutoFit/>
+          </a:bodyPr>
+          <a:lstStyle/>
+          <a:p>
+            <a:pPr algn="just">
+              <a:buFont typeface="+mj-lt"/>
+              <a:buAutoNum type="arabicPeriod"/>
+            </a:pPr>
+            <a:r>
+              <a:rPr lang="pl-PL" sz="1600" b="0" i="0" dirty="0">
+                <a:solidFill>
+                  <a:schemeClr val="tx1"/>
+                </a:solidFill>
+                <a:effectLst/>
+                <a:latin typeface="Söhne"/>
+              </a:rPr>
+              <a:t>Zapewnia, że stan interfejsu użytkownika są zgodny z aktualnym stanem danych. </a:t>
+            </a:r>
+            <a:r>
+              <a:rPr lang="pl-PL" sz="1600" b="0" i="0" dirty="0" err="1">
+                <a:solidFill>
+                  <a:schemeClr val="tx1"/>
+                </a:solidFill>
+                <a:effectLst/>
+                <a:latin typeface="Söhne"/>
+              </a:rPr>
+              <a:t>LiveData</a:t>
+            </a:r>
+            <a:r>
+              <a:rPr lang="pl-PL" sz="1600" b="0" i="0" dirty="0">
+                <a:solidFill>
+                  <a:schemeClr val="tx1"/>
+                </a:solidFill>
+                <a:effectLst/>
+                <a:latin typeface="Söhne"/>
+              </a:rPr>
+              <a:t> powiadamia obiekty </a:t>
+            </a:r>
+            <a:r>
+              <a:rPr lang="pl-PL" sz="1600" b="0" i="0" dirty="0" err="1">
+                <a:solidFill>
+                  <a:schemeClr val="tx1"/>
+                </a:solidFill>
+                <a:effectLst/>
+                <a:latin typeface="Söhne"/>
+              </a:rPr>
+              <a:t>Observer</a:t>
+            </a:r>
+            <a:r>
+              <a:rPr lang="pl-PL" sz="1600" b="0" i="0" dirty="0">
+                <a:solidFill>
+                  <a:schemeClr val="tx1"/>
+                </a:solidFill>
+                <a:effectLst/>
+                <a:latin typeface="Söhne"/>
+              </a:rPr>
+              <a:t>, gdy zmienia się stan cyklu życia. Zamiast aktualizować interfejs użytkownika za każdym razem, gdy zmieniają się dane aplikacji, obserwator może aktualizować interfejs użytkownika za każdym razem, gdy następuje zmiana.</a:t>
+            </a:r>
+          </a:p>
+          <a:p>
+            <a:pPr algn="just">
+              <a:buFont typeface="+mj-lt"/>
+              <a:buAutoNum type="arabicPeriod"/>
+            </a:pPr>
+            <a:endParaRPr lang="pl-PL" sz="1600" b="0" i="0" dirty="0">
+              <a:solidFill>
+                <a:schemeClr val="tx1"/>
+              </a:solidFill>
+              <a:effectLst/>
+              <a:latin typeface="Söhne"/>
+            </a:endParaRPr>
+          </a:p>
+          <a:p>
+            <a:pPr algn="just">
+              <a:buFont typeface="+mj-lt"/>
+              <a:buAutoNum type="arabicPeriod"/>
+            </a:pPr>
+            <a:r>
+              <a:rPr lang="pl-PL" sz="1600" b="0" i="0" dirty="0">
+                <a:solidFill>
+                  <a:schemeClr val="tx1"/>
+                </a:solidFill>
+                <a:effectLst/>
+                <a:latin typeface="Söhne"/>
+              </a:rPr>
+              <a:t>Brak wycieków pamięci. Obserwatorzy są związani z obiektami cyklu życia.</a:t>
+            </a:r>
+          </a:p>
+          <a:p>
+            <a:pPr algn="just">
+              <a:buFont typeface="+mj-lt"/>
+              <a:buAutoNum type="arabicPeriod"/>
+            </a:pPr>
+            <a:endParaRPr lang="pl-PL" sz="1600" b="0" i="0" dirty="0">
+              <a:solidFill>
+                <a:schemeClr val="tx1"/>
+              </a:solidFill>
+              <a:effectLst/>
+              <a:latin typeface="Söhne"/>
+            </a:endParaRPr>
+          </a:p>
+          <a:p>
+            <a:pPr algn="just">
+              <a:buFont typeface="+mj-lt"/>
+              <a:buAutoNum type="arabicPeriod"/>
+            </a:pPr>
+            <a:r>
+              <a:rPr lang="pl-PL" sz="1600" b="0" i="0" dirty="0">
+                <a:solidFill>
+                  <a:schemeClr val="tx1"/>
+                </a:solidFill>
+                <a:effectLst/>
+                <a:latin typeface="Söhne"/>
+              </a:rPr>
+              <a:t>Brak błędów z powodu zatrzymanych aktywności. Jeśli cykl życia obserwatora jest nieaktywny, nie otrzymuje on żadnych zdarzeń </a:t>
+            </a:r>
+            <a:r>
+              <a:rPr lang="pl-PL" sz="1600" b="0" i="0" dirty="0" err="1">
+                <a:solidFill>
+                  <a:schemeClr val="tx1"/>
+                </a:solidFill>
+                <a:effectLst/>
+                <a:latin typeface="Söhne"/>
+              </a:rPr>
+              <a:t>LiveData</a:t>
+            </a:r>
+            <a:r>
+              <a:rPr lang="pl-PL" sz="1600" b="0" i="0" dirty="0">
+                <a:solidFill>
+                  <a:schemeClr val="tx1"/>
+                </a:solidFill>
+                <a:effectLst/>
+                <a:latin typeface="Söhne"/>
+              </a:rPr>
+              <a:t>.</a:t>
+            </a:r>
+          </a:p>
+          <a:p>
+            <a:pPr algn="just">
+              <a:buFont typeface="+mj-lt"/>
+              <a:buAutoNum type="arabicPeriod"/>
+            </a:pPr>
+            <a:endParaRPr lang="pl-PL" sz="1600" b="0" i="0" dirty="0">
+              <a:solidFill>
+                <a:schemeClr val="tx1"/>
+              </a:solidFill>
+              <a:effectLst/>
+              <a:latin typeface="Söhne"/>
+            </a:endParaRPr>
+          </a:p>
+          <a:p>
+            <a:pPr algn="just">
+              <a:buFont typeface="+mj-lt"/>
+              <a:buAutoNum type="arabicPeriod"/>
+            </a:pPr>
+            <a:r>
+              <a:rPr lang="pl-PL" sz="1600" b="0" i="0" dirty="0">
+                <a:solidFill>
+                  <a:schemeClr val="tx1"/>
+                </a:solidFill>
+                <a:effectLst/>
+                <a:latin typeface="Söhne"/>
+              </a:rPr>
+              <a:t>Komponenty interfejsu użytkownika jedynie obserwują istotne dane i nie przerywają ani nie wznawiają obserwacji. </a:t>
+            </a:r>
+            <a:r>
+              <a:rPr lang="pl-PL" sz="1600" b="0" i="0" dirty="0" err="1">
+                <a:solidFill>
+                  <a:schemeClr val="tx1"/>
+                </a:solidFill>
+                <a:effectLst/>
+                <a:latin typeface="Söhne"/>
+              </a:rPr>
+              <a:t>LiveData</a:t>
+            </a:r>
+            <a:r>
+              <a:rPr lang="pl-PL" sz="1600" b="0" i="0" dirty="0">
+                <a:solidFill>
+                  <a:schemeClr val="tx1"/>
+                </a:solidFill>
+                <a:effectLst/>
+                <a:latin typeface="Söhne"/>
+              </a:rPr>
+              <a:t> automatycznie zarządza wszystkim tym, ponieważ jest „świadoma” istotnych zmian stanu cyklu życia podczas obserwacji.</a:t>
+            </a:r>
+          </a:p>
+          <a:p>
+            <a:pPr algn="just">
+              <a:buFont typeface="+mj-lt"/>
+              <a:buAutoNum type="arabicPeriod"/>
+            </a:pPr>
+            <a:endParaRPr lang="pl-PL" sz="1600" b="0" i="0" dirty="0">
+              <a:solidFill>
+                <a:schemeClr val="tx1"/>
+              </a:solidFill>
+              <a:effectLst/>
+              <a:latin typeface="Söhne"/>
+            </a:endParaRPr>
+          </a:p>
+          <a:p>
+            <a:pPr algn="just">
+              <a:buFont typeface="+mj-lt"/>
+              <a:buAutoNum type="arabicPeriod"/>
+            </a:pPr>
+            <a:r>
+              <a:rPr lang="pl-PL" sz="1600" b="0" i="0" dirty="0">
+                <a:solidFill>
+                  <a:schemeClr val="tx1"/>
+                </a:solidFill>
+                <a:effectLst/>
+                <a:latin typeface="Söhne"/>
+              </a:rPr>
+              <a:t>Zawsze aktualne dane. Jeśli cykl życia staje się nieaktywny, otrzymuje najnowsze dane po ponownym staniu się aktywnym. Na przykład aktywność, która była w tle, otrzymuje najnowsze dane zaraz po powrocie do pierwszego planu.</a:t>
+            </a:r>
+          </a:p>
+        </p:txBody>
+      </p:sp>
+    </p:spTree>
+    <p:extLst>
+      <p:ext uri="{BB962C8B-B14F-4D97-AF65-F5344CB8AC3E}">
+        <p14:creationId xmlns:p14="http://schemas.microsoft.com/office/powerpoint/2010/main" val="3971063776"/>
+      </p:ext>
+    </p:extLst>
+  </p:cSld>
+  <p:clrMapOvr>
+    <a:masterClrMapping/>
+  </p:clrMapOvr>
+</p:sld>
+</file>
+
+<file path=ppt/slides/slide21.xml><?xml version="1.0" encoding="utf-8"?>
+<p:sld xmlns:a="http://schemas.openxmlformats.org/drawingml/2006/main" xmlns:r="http://schemas.openxmlformats.org/officeDocument/2006/relationships" xmlns:p="http://schemas.openxmlformats.org/presentationml/2006/main">
+  <p:cSld>
+    <p:bg>
+      <p:bgPr>
+        <a:blipFill dpi="0" rotWithShape="0">
+          <a:blip r:embed="rId3" cstate="print"/>
+          <a:srcRect/>
+          <a:stretch>
+            <a:fillRect/>
+          </a:stretch>
+        </a:blipFill>
+        <a:effectLst/>
+      </p:bgPr>
+    </p:bg>
+    <p:spTree>
+      <p:nvGrpSpPr>
+        <p:cNvPr id="1" name=""/>
+        <p:cNvGrpSpPr/>
+        <p:nvPr/>
+      </p:nvGrpSpPr>
+      <p:grpSpPr>
+        <a:xfrm>
+          <a:off x="0" y="0"/>
+          <a:ext cx="0" cy="0"/>
+          <a:chOff x="0" y="0"/>
+          <a:chExt cx="0" cy="0"/>
+        </a:xfrm>
+      </p:grpSpPr>
+      <p:sp>
+        <p:nvSpPr>
+          <p:cNvPr id="2" name="Rectangle 1"/>
+          <p:cNvSpPr/>
+          <p:nvPr/>
+        </p:nvSpPr>
+        <p:spPr>
+          <a:xfrm>
+            <a:off x="2796750" y="244941"/>
+            <a:ext cx="5879706" cy="492443"/>
+          </a:xfrm>
+          <a:prstGeom prst="rect">
+            <a:avLst/>
+          </a:prstGeom>
+        </p:spPr>
+        <p:txBody>
+          <a:bodyPr wrap="square">
+            <a:spAutoFit/>
+          </a:bodyPr>
+          <a:lstStyle/>
+          <a:p>
+            <a:pPr algn="ctr"/>
+            <a:r>
+              <a:rPr lang="pl-PL" sz="2600" dirty="0" err="1">
+                <a:solidFill>
+                  <a:schemeClr val="bg1"/>
+                </a:solidFill>
+                <a:latin typeface="Verdana" panose="020B0604030504040204" pitchFamily="34" charset="0"/>
+                <a:ea typeface="Verdana" panose="020B0604030504040204" pitchFamily="34" charset="0"/>
+                <a:cs typeface="Verdana" panose="020B0604030504040204" pitchFamily="34" charset="0"/>
+              </a:rPr>
+              <a:t>LiveData</a:t>
+            </a:r>
+            <a:endParaRPr lang="pl-PL" sz="2600" dirty="0">
+              <a:solidFill>
+                <a:schemeClr val="bg1"/>
+              </a:solidFill>
+              <a:latin typeface="Verdana" panose="020B0604030504040204" pitchFamily="34" charset="0"/>
+              <a:ea typeface="Verdana" panose="020B0604030504040204" pitchFamily="34" charset="0"/>
+              <a:cs typeface="Verdana" panose="020B0604030504040204" pitchFamily="34" charset="0"/>
+            </a:endParaRPr>
+          </a:p>
+        </p:txBody>
+      </p:sp>
+      <p:pic>
+        <p:nvPicPr>
           <p:cNvPr id="8" name="Obraz 7">
             <a:extLst>
               <a:ext uri="{FF2B5EF4-FFF2-40B4-BE49-F238E27FC236}">
@@ -7810,7 +8319,7 @@
 </p:sld>
 </file>
 
-<file path=ppt/slides/slide21.xml><?xml version="1.0" encoding="utf-8"?>
+<file path=ppt/slides/slide22.xml><?xml version="1.0" encoding="utf-8"?>
 <p:sld xmlns:a="http://schemas.openxmlformats.org/drawingml/2006/main" xmlns:r="http://schemas.openxmlformats.org/officeDocument/2006/relationships" xmlns:p="http://schemas.openxmlformats.org/presentationml/2006/main">
   <p:cSld>
     <p:bg>
@@ -8063,7 +8572,7 @@
 </p:sld>
 </file>
 
-<file path=ppt/slides/slide22.xml><?xml version="1.0" encoding="utf-8"?>
+<file path=ppt/slides/slide23.xml><?xml version="1.0" encoding="utf-8"?>
 <p:sld xmlns:a="http://schemas.openxmlformats.org/drawingml/2006/main" xmlns:r="http://schemas.openxmlformats.org/officeDocument/2006/relationships" xmlns:p="http://schemas.openxmlformats.org/presentationml/2006/main">
   <p:cSld>
     <p:bg>
